--- a/VUE核心/vue核心代码解析/patch/diff.pptx
+++ b/VUE核心/vue核心代码解析/patch/diff.pptx
@@ -8,7 +8,7 @@
     <p:notesMasterId r:id="rId4"/>
   </p:notesMasterIdLst>
   <p:handoutMasterIdLst>
-    <p:handoutMasterId r:id="rId18"/>
+    <p:handoutMasterId r:id="rId19"/>
   </p:handoutMasterIdLst>
   <p:sldIdLst>
     <p:sldId id="270" r:id="rId3"/>
@@ -25,6 +25,7 @@
     <p:sldId id="263" r:id="rId15"/>
     <p:sldId id="262" r:id="rId16"/>
     <p:sldId id="264" r:id="rId17"/>
+    <p:sldId id="284" r:id="rId18"/>
   </p:sldIdLst>
   <p:sldSz cx="12192000" cy="6858000"/>
   <p:notesSz cx="6858000" cy="9144000"/>
@@ -1265,6 +1266,84 @@
 </file>
 
 <file path=ppt/notesSlides/notesSlide8.xml><?xml version="1.0" encoding="utf-8"?>
+<p:notes xmlns:a="http://schemas.openxmlformats.org/drawingml/2006/main" xmlns:r="http://schemas.openxmlformats.org/officeDocument/2006/relationships" xmlns:p="http://schemas.openxmlformats.org/presentationml/2006/main">
+  <p:cSld>
+    <p:spTree>
+      <p:nvGrpSpPr>
+        <p:cNvPr id="1" name=""/>
+        <p:cNvGrpSpPr/>
+        <p:nvPr/>
+      </p:nvGrpSpPr>
+      <p:grpSpPr>
+        <a:xfrm>
+          <a:off x="0" y="0"/>
+          <a:ext cx="0" cy="0"/>
+          <a:chOff x="0" y="0"/>
+          <a:chExt cx="0" cy="0"/>
+        </a:xfrm>
+      </p:grpSpPr>
+      <p:sp>
+        <p:nvSpPr>
+          <p:cNvPr id="2" name="幻灯片图像占位符 1"/>
+          <p:cNvSpPr>
+            <a:spLocks noGrp="1" noRot="1" noChangeAspect="1"/>
+          </p:cNvSpPr>
+          <p:nvPr>
+            <p:ph type="sldImg"/>
+          </p:nvPr>
+        </p:nvSpPr>
+        <p:spPr/>
+      </p:sp>
+      <p:sp>
+        <p:nvSpPr>
+          <p:cNvPr id="3" name="备注占位符 2"/>
+          <p:cNvSpPr>
+            <a:spLocks noGrp="1"/>
+          </p:cNvSpPr>
+          <p:nvPr>
+            <p:ph type="body" idx="1"/>
+          </p:nvPr>
+        </p:nvSpPr>
+        <p:spPr/>
+        <p:txBody>
+          <a:bodyPr/>
+          <a:lstStyle/>
+          <a:p>
+            <a:endParaRPr lang="zh-CN" altLang="en-US"/>
+          </a:p>
+        </p:txBody>
+      </p:sp>
+      <p:sp>
+        <p:nvSpPr>
+          <p:cNvPr id="4" name="灯片编号占位符 3"/>
+          <p:cNvSpPr>
+            <a:spLocks noGrp="1"/>
+          </p:cNvSpPr>
+          <p:nvPr>
+            <p:ph type="sldNum" sz="quarter" idx="5"/>
+          </p:nvPr>
+        </p:nvSpPr>
+        <p:spPr/>
+        <p:txBody>
+          <a:bodyPr/>
+          <a:lstStyle/>
+          <a:p>
+            <a:fld id="{2567D84A-3049-44F6-8517-64F0971FDD2A}" type="slidenum">
+              <a:rPr lang="zh-CN" altLang="en-US" smtClean="0"/>
+            </a:fld>
+            <a:endParaRPr lang="zh-CN" altLang="en-US"/>
+          </a:p>
+        </p:txBody>
+      </p:sp>
+    </p:spTree>
+  </p:cSld>
+  <p:clrMapOvr>
+    <a:masterClrMapping/>
+  </p:clrMapOvr>
+</p:notes>
+</file>
+
+<file path=ppt/notesSlides/notesSlide9.xml><?xml version="1.0" encoding="utf-8"?>
 <p:notes xmlns:a="http://schemas.openxmlformats.org/drawingml/2006/main" xmlns:r="http://schemas.openxmlformats.org/officeDocument/2006/relationships" xmlns:p="http://schemas.openxmlformats.org/presentationml/2006/main">
   <p:cSld>
     <p:spTree>
@@ -9914,6 +9993,1132 @@
   <p:clrMapOvr>
     <a:masterClrMapping/>
   </p:clrMapOvr>
+</p:sld>
+</file>
+
+<file path=ppt/slides/slide15.xml><?xml version="1.0" encoding="utf-8"?>
+<p:sld xmlns:a="http://schemas.openxmlformats.org/drawingml/2006/main" xmlns:r="http://schemas.openxmlformats.org/officeDocument/2006/relationships" xmlns:p="http://schemas.openxmlformats.org/presentationml/2006/main">
+  <p:cSld>
+    <p:spTree>
+      <p:nvGrpSpPr>
+        <p:cNvPr id="1" name=""/>
+        <p:cNvGrpSpPr/>
+        <p:nvPr/>
+      </p:nvGrpSpPr>
+      <p:grpSpPr>
+        <a:xfrm>
+          <a:off x="0" y="0"/>
+          <a:ext cx="0" cy="0"/>
+          <a:chOff x="0" y="0"/>
+          <a:chExt cx="0" cy="0"/>
+        </a:xfrm>
+      </p:grpSpPr>
+      <p:sp>
+        <p:nvSpPr>
+          <p:cNvPr id="5" name="椭圆 4"/>
+          <p:cNvSpPr/>
+          <p:nvPr/>
+        </p:nvSpPr>
+        <p:spPr>
+          <a:xfrm>
+            <a:off x="465221" y="417094"/>
+            <a:ext cx="465221" cy="465221"/>
+          </a:xfrm>
+          <a:prstGeom prst="ellipse">
+            <a:avLst/>
+          </a:prstGeom>
+          <a:solidFill>
+            <a:srgbClr val="292929"/>
+          </a:solidFill>
+          <a:ln>
+            <a:noFill/>
+          </a:ln>
+        </p:spPr>
+        <p:style>
+          <a:lnRef idx="2">
+            <a:schemeClr val="accent1">
+              <a:shade val="50000"/>
+            </a:schemeClr>
+          </a:lnRef>
+          <a:fillRef idx="1">
+            <a:schemeClr val="accent1"/>
+          </a:fillRef>
+          <a:effectRef idx="0">
+            <a:schemeClr val="accent1"/>
+          </a:effectRef>
+          <a:fontRef idx="minor">
+            <a:schemeClr val="lt1"/>
+          </a:fontRef>
+        </p:style>
+        <p:txBody>
+          <a:bodyPr rtlCol="0" anchor="ctr"/>
+          <a:lstStyle/>
+          <a:p>
+            <a:pPr algn="ctr"/>
+            <a:endParaRPr lang="zh-CN" altLang="en-US" dirty="0">
+              <a:latin typeface="字魂58号-创中黑" panose="00000500000000000000" pitchFamily="2" charset="-122"/>
+              <a:ea typeface="字魂58号-创中黑" panose="00000500000000000000" pitchFamily="2" charset="-122"/>
+            </a:endParaRPr>
+          </a:p>
+        </p:txBody>
+      </p:sp>
+      <p:sp>
+        <p:nvSpPr>
+          <p:cNvPr id="6" name="椭圆 5"/>
+          <p:cNvSpPr/>
+          <p:nvPr/>
+        </p:nvSpPr>
+        <p:spPr>
+          <a:xfrm>
+            <a:off x="3006189" y="2318083"/>
+            <a:ext cx="2221834" cy="2221834"/>
+          </a:xfrm>
+          <a:prstGeom prst="ellipse">
+            <a:avLst/>
+          </a:prstGeom>
+          <a:solidFill>
+            <a:schemeClr val="accent4">
+              <a:lumMod val="60000"/>
+              <a:lumOff val="40000"/>
+            </a:schemeClr>
+          </a:solidFill>
+          <a:ln>
+            <a:noFill/>
+          </a:ln>
+        </p:spPr>
+        <p:style>
+          <a:lnRef idx="2">
+            <a:schemeClr val="accent1">
+              <a:shade val="50000"/>
+            </a:schemeClr>
+          </a:lnRef>
+          <a:fillRef idx="1">
+            <a:schemeClr val="accent1"/>
+          </a:fillRef>
+          <a:effectRef idx="0">
+            <a:schemeClr val="accent1"/>
+          </a:effectRef>
+          <a:fontRef idx="minor">
+            <a:schemeClr val="lt1"/>
+          </a:fontRef>
+        </p:style>
+        <p:txBody>
+          <a:bodyPr rtlCol="0" anchor="ctr"/>
+          <a:lstStyle/>
+          <a:p>
+            <a:pPr algn="ctr"/>
+            <a:endParaRPr lang="zh-CN" altLang="en-US">
+              <a:latin typeface="字魂58号-创中黑" panose="00000500000000000000" pitchFamily="2" charset="-122"/>
+              <a:ea typeface="字魂58号-创中黑" panose="00000500000000000000" pitchFamily="2" charset="-122"/>
+            </a:endParaRPr>
+          </a:p>
+        </p:txBody>
+      </p:sp>
+      <p:sp>
+        <p:nvSpPr>
+          <p:cNvPr id="7" name="椭圆 6"/>
+          <p:cNvSpPr/>
+          <p:nvPr/>
+        </p:nvSpPr>
+        <p:spPr>
+          <a:xfrm>
+            <a:off x="9228795" y="3200400"/>
+            <a:ext cx="558015" cy="558015"/>
+          </a:xfrm>
+          <a:prstGeom prst="ellipse">
+            <a:avLst/>
+          </a:prstGeom>
+          <a:solidFill>
+            <a:schemeClr val="accent4">
+              <a:lumMod val="20000"/>
+              <a:lumOff val="80000"/>
+            </a:schemeClr>
+          </a:solidFill>
+          <a:ln>
+            <a:noFill/>
+          </a:ln>
+        </p:spPr>
+        <p:style>
+          <a:lnRef idx="2">
+            <a:schemeClr val="accent1">
+              <a:shade val="50000"/>
+            </a:schemeClr>
+          </a:lnRef>
+          <a:fillRef idx="1">
+            <a:schemeClr val="accent1"/>
+          </a:fillRef>
+          <a:effectRef idx="0">
+            <a:schemeClr val="accent1"/>
+          </a:effectRef>
+          <a:fontRef idx="minor">
+            <a:schemeClr val="lt1"/>
+          </a:fontRef>
+        </p:style>
+        <p:txBody>
+          <a:bodyPr rtlCol="0" anchor="ctr"/>
+          <a:lstStyle/>
+          <a:p>
+            <a:pPr algn="ctr"/>
+            <a:endParaRPr lang="zh-CN" altLang="en-US">
+              <a:latin typeface="字魂58号-创中黑" panose="00000500000000000000" pitchFamily="2" charset="-122"/>
+              <a:ea typeface="字魂58号-创中黑" panose="00000500000000000000" pitchFamily="2" charset="-122"/>
+            </a:endParaRPr>
+          </a:p>
+        </p:txBody>
+      </p:sp>
+      <p:sp>
+        <p:nvSpPr>
+          <p:cNvPr id="8" name="椭圆 7"/>
+          <p:cNvSpPr/>
+          <p:nvPr/>
+        </p:nvSpPr>
+        <p:spPr>
+          <a:xfrm>
+            <a:off x="2744906" y="1382479"/>
+            <a:ext cx="4093043" cy="4093043"/>
+          </a:xfrm>
+          <a:prstGeom prst="ellipse">
+            <a:avLst/>
+          </a:prstGeom>
+          <a:noFill/>
+          <a:ln w="57150">
+            <a:solidFill>
+              <a:schemeClr val="bg1">
+                <a:lumMod val="95000"/>
+              </a:schemeClr>
+            </a:solidFill>
+          </a:ln>
+        </p:spPr>
+        <p:style>
+          <a:lnRef idx="2">
+            <a:schemeClr val="accent1">
+              <a:shade val="50000"/>
+            </a:schemeClr>
+          </a:lnRef>
+          <a:fillRef idx="1">
+            <a:schemeClr val="accent1"/>
+          </a:fillRef>
+          <a:effectRef idx="0">
+            <a:schemeClr val="accent1"/>
+          </a:effectRef>
+          <a:fontRef idx="minor">
+            <a:schemeClr val="lt1"/>
+          </a:fontRef>
+        </p:style>
+        <p:txBody>
+          <a:bodyPr rtlCol="0" anchor="ctr"/>
+          <a:lstStyle/>
+          <a:p>
+            <a:pPr algn="ctr"/>
+            <a:endParaRPr lang="zh-CN" altLang="en-US">
+              <a:latin typeface="字魂58号-创中黑" panose="00000500000000000000" pitchFamily="2" charset="-122"/>
+              <a:ea typeface="字魂58号-创中黑" panose="00000500000000000000" pitchFamily="2" charset="-122"/>
+            </a:endParaRPr>
+          </a:p>
+        </p:txBody>
+      </p:sp>
+      <p:sp>
+        <p:nvSpPr>
+          <p:cNvPr id="10" name="椭圆 9"/>
+          <p:cNvSpPr/>
+          <p:nvPr/>
+        </p:nvSpPr>
+        <p:spPr>
+          <a:xfrm>
+            <a:off x="1956935" y="3533827"/>
+            <a:ext cx="224588" cy="224588"/>
+          </a:xfrm>
+          <a:prstGeom prst="ellipse">
+            <a:avLst/>
+          </a:prstGeom>
+          <a:solidFill>
+            <a:srgbClr val="292929"/>
+          </a:solidFill>
+          <a:ln>
+            <a:noFill/>
+          </a:ln>
+        </p:spPr>
+        <p:style>
+          <a:lnRef idx="2">
+            <a:schemeClr val="accent1">
+              <a:shade val="50000"/>
+            </a:schemeClr>
+          </a:lnRef>
+          <a:fillRef idx="1">
+            <a:schemeClr val="accent1"/>
+          </a:fillRef>
+          <a:effectRef idx="0">
+            <a:schemeClr val="accent1"/>
+          </a:effectRef>
+          <a:fontRef idx="minor">
+            <a:schemeClr val="lt1"/>
+          </a:fontRef>
+        </p:style>
+        <p:txBody>
+          <a:bodyPr rtlCol="0" anchor="ctr"/>
+          <a:lstStyle/>
+          <a:p>
+            <a:pPr algn="ctr"/>
+            <a:endParaRPr lang="zh-CN" altLang="en-US" dirty="0">
+              <a:latin typeface="字魂58号-创中黑" panose="00000500000000000000" pitchFamily="2" charset="-122"/>
+              <a:ea typeface="字魂58号-创中黑" panose="00000500000000000000" pitchFamily="2" charset="-122"/>
+            </a:endParaRPr>
+          </a:p>
+        </p:txBody>
+      </p:sp>
+      <p:sp>
+        <p:nvSpPr>
+          <p:cNvPr id="11" name="矩形 10"/>
+          <p:cNvSpPr/>
+          <p:nvPr/>
+        </p:nvSpPr>
+        <p:spPr>
+          <a:xfrm>
+            <a:off x="3006189" y="2792067"/>
+            <a:ext cx="6166377" cy="1222375"/>
+          </a:xfrm>
+          <a:prstGeom prst="rect">
+            <a:avLst/>
+          </a:prstGeom>
+        </p:spPr>
+        <p:txBody>
+          <a:bodyPr wrap="square" lIns="68580" tIns="34290" rIns="68580" bIns="34290">
+            <a:spAutoFit/>
+          </a:bodyPr>
+          <a:lstStyle/>
+          <a:p>
+            <a:pPr>
+              <a:defRPr/>
+            </a:pPr>
+            <a:r>
+              <a:rPr lang="zh-CN" sz="7500" b="1" spc="225" dirty="0">
+                <a:solidFill>
+                  <a:srgbClr val="292929"/>
+                </a:solidFill>
+                <a:latin typeface="字魂58号-创中黑" panose="00000500000000000000" pitchFamily="2" charset="-122"/>
+                <a:ea typeface="字魂58号-创中黑" panose="00000500000000000000" pitchFamily="2" charset="-122"/>
+                <a:cs typeface="+mn-ea"/>
+                <a:sym typeface="+mn-lt"/>
+              </a:rPr>
+              <a:t>下次继续</a:t>
+            </a:r>
+            <a:endParaRPr lang="zh-CN" sz="7500" b="1" spc="225" dirty="0">
+              <a:solidFill>
+                <a:srgbClr val="292929"/>
+              </a:solidFill>
+              <a:latin typeface="字魂58号-创中黑" panose="00000500000000000000" pitchFamily="2" charset="-122"/>
+              <a:ea typeface="字魂58号-创中黑" panose="00000500000000000000" pitchFamily="2" charset="-122"/>
+              <a:cs typeface="+mn-ea"/>
+              <a:sym typeface="+mn-lt"/>
+            </a:endParaRPr>
+          </a:p>
+        </p:txBody>
+      </p:sp>
+      <p:sp>
+        <p:nvSpPr>
+          <p:cNvPr id="13" name="矩形 12"/>
+          <p:cNvSpPr/>
+          <p:nvPr/>
+        </p:nvSpPr>
+        <p:spPr>
+          <a:xfrm>
+            <a:off x="6089377" y="4015479"/>
+            <a:ext cx="2783148" cy="561692"/>
+          </a:xfrm>
+          <a:prstGeom prst="rect">
+            <a:avLst/>
+          </a:prstGeom>
+        </p:spPr>
+        <p:txBody>
+          <a:bodyPr wrap="square" lIns="68580" tIns="34290" rIns="68580" bIns="34290">
+            <a:spAutoFit/>
+          </a:bodyPr>
+          <a:lstStyle/>
+          <a:p>
+            <a:pPr algn="dist">
+              <a:defRPr/>
+            </a:pPr>
+            <a:r>
+              <a:rPr lang="en-US" altLang="zh-CN" sz="3200" spc="225" dirty="0">
+                <a:solidFill>
+                  <a:srgbClr val="292929"/>
+                </a:solidFill>
+                <a:latin typeface="字魂58号-创中黑" panose="00000500000000000000" pitchFamily="2" charset="-122"/>
+                <a:ea typeface="字魂58号-创中黑" panose="00000500000000000000" pitchFamily="2" charset="-122"/>
+                <a:cs typeface="+mn-ea"/>
+                <a:sym typeface="+mn-lt"/>
+              </a:rPr>
+              <a:t>Thanks </a:t>
+            </a:r>
+            <a:endParaRPr sz="3200" spc="225" dirty="0">
+              <a:solidFill>
+                <a:srgbClr val="292929"/>
+              </a:solidFill>
+              <a:latin typeface="字魂58号-创中黑" panose="00000500000000000000" pitchFamily="2" charset="-122"/>
+              <a:ea typeface="字魂58号-创中黑" panose="00000500000000000000" pitchFamily="2" charset="-122"/>
+              <a:cs typeface="+mn-ea"/>
+              <a:sym typeface="+mn-lt"/>
+            </a:endParaRPr>
+          </a:p>
+        </p:txBody>
+      </p:sp>
+      <p:sp>
+        <p:nvSpPr>
+          <p:cNvPr id="15" name="矩形 14"/>
+          <p:cNvSpPr/>
+          <p:nvPr/>
+        </p:nvSpPr>
+        <p:spPr>
+          <a:xfrm flipH="1">
+            <a:off x="1583" y="5016459"/>
+            <a:ext cx="352425" cy="1841541"/>
+          </a:xfrm>
+          <a:prstGeom prst="rect">
+            <a:avLst/>
+          </a:prstGeom>
+        </p:spPr>
+        <p:txBody>
+          <a:bodyPr vert="eaVert" wrap="square" lIns="68580" tIns="34290" rIns="68580" bIns="34290">
+            <a:spAutoFit/>
+          </a:bodyPr>
+          <a:lstStyle/>
+          <a:p>
+            <a:pPr>
+              <a:defRPr/>
+            </a:pPr>
+            <a:r>
+              <a:rPr lang="zh-CN" altLang="en-US" sz="1400" spc="225" dirty="0">
+                <a:solidFill>
+                  <a:srgbClr val="292929"/>
+                </a:solidFill>
+                <a:latin typeface="字魂58号-创中黑" panose="00000500000000000000" pitchFamily="2" charset="-122"/>
+                <a:ea typeface="字魂58号-创中黑" panose="00000500000000000000" pitchFamily="2" charset="-122"/>
+                <a:cs typeface="+mn-ea"/>
+                <a:sym typeface="+mn-lt"/>
+              </a:rPr>
+              <a:t>高级指南</a:t>
+            </a:r>
+            <a:endParaRPr sz="1400" spc="225" dirty="0">
+              <a:solidFill>
+                <a:srgbClr val="292929"/>
+              </a:solidFill>
+              <a:latin typeface="字魂58号-创中黑" panose="00000500000000000000" pitchFamily="2" charset="-122"/>
+              <a:ea typeface="字魂58号-创中黑" panose="00000500000000000000" pitchFamily="2" charset="-122"/>
+              <a:cs typeface="+mn-ea"/>
+              <a:sym typeface="+mn-lt"/>
+            </a:endParaRPr>
+          </a:p>
+        </p:txBody>
+      </p:sp>
+      <p:sp>
+        <p:nvSpPr>
+          <p:cNvPr id="16" name="矩形 15"/>
+          <p:cNvSpPr/>
+          <p:nvPr/>
+        </p:nvSpPr>
+        <p:spPr>
+          <a:xfrm flipH="1">
+            <a:off x="11469292" y="6256421"/>
+            <a:ext cx="97066" cy="601579"/>
+          </a:xfrm>
+          <a:prstGeom prst="rect">
+            <a:avLst/>
+          </a:prstGeom>
+          <a:solidFill>
+            <a:schemeClr val="bg1">
+              <a:lumMod val="85000"/>
+            </a:schemeClr>
+          </a:solidFill>
+          <a:ln>
+            <a:noFill/>
+          </a:ln>
+        </p:spPr>
+        <p:style>
+          <a:lnRef idx="2">
+            <a:schemeClr val="accent1">
+              <a:shade val="50000"/>
+            </a:schemeClr>
+          </a:lnRef>
+          <a:fillRef idx="1">
+            <a:schemeClr val="accent1"/>
+          </a:fillRef>
+          <a:effectRef idx="0">
+            <a:schemeClr val="accent1"/>
+          </a:effectRef>
+          <a:fontRef idx="minor">
+            <a:schemeClr val="lt1"/>
+          </a:fontRef>
+        </p:style>
+        <p:txBody>
+          <a:bodyPr rtlCol="0" anchor="ctr"/>
+          <a:lstStyle/>
+          <a:p>
+            <a:pPr algn="ctr"/>
+            <a:endParaRPr lang="zh-CN" altLang="en-US">
+              <a:latin typeface="字魂58号-创中黑" panose="00000500000000000000" pitchFamily="2" charset="-122"/>
+              <a:ea typeface="字魂58号-创中黑" panose="00000500000000000000" pitchFamily="2" charset="-122"/>
+            </a:endParaRPr>
+          </a:p>
+        </p:txBody>
+      </p:sp>
+      <p:sp>
+        <p:nvSpPr>
+          <p:cNvPr id="4" name="矩形 3"/>
+          <p:cNvSpPr/>
+          <p:nvPr/>
+        </p:nvSpPr>
+        <p:spPr>
+          <a:xfrm flipH="1">
+            <a:off x="11312525" y="810260"/>
+            <a:ext cx="414020" cy="1981835"/>
+          </a:xfrm>
+          <a:prstGeom prst="rect">
+            <a:avLst/>
+          </a:prstGeom>
+        </p:spPr>
+        <p:txBody>
+          <a:bodyPr vert="eaVert" wrap="square" lIns="68580" tIns="34290" rIns="68580" bIns="34290">
+            <a:spAutoFit/>
+          </a:bodyPr>
+          <a:p>
+            <a:pPr>
+              <a:defRPr/>
+            </a:pPr>
+            <a:r>
+              <a:rPr lang="en-US" spc="225" dirty="0">
+                <a:solidFill>
+                  <a:srgbClr val="292929"/>
+                </a:solidFill>
+                <a:latin typeface="字魂58号-创中黑" panose="00000500000000000000" pitchFamily="2" charset="-122"/>
+                <a:ea typeface="字魂58号-创中黑" panose="00000500000000000000" pitchFamily="2" charset="-122"/>
+                <a:cs typeface="+mn-ea"/>
+                <a:sym typeface="+mn-lt"/>
+              </a:rPr>
+              <a:t>Vue guide</a:t>
+            </a:r>
+            <a:endParaRPr lang="en-US" spc="225" dirty="0">
+              <a:solidFill>
+                <a:srgbClr val="292929"/>
+              </a:solidFill>
+              <a:latin typeface="字魂58号-创中黑" panose="00000500000000000000" pitchFamily="2" charset="-122"/>
+              <a:ea typeface="字魂58号-创中黑" panose="00000500000000000000" pitchFamily="2" charset="-122"/>
+              <a:cs typeface="+mn-ea"/>
+              <a:sym typeface="+mn-lt"/>
+            </a:endParaRPr>
+          </a:p>
+        </p:txBody>
+      </p:sp>
+    </p:spTree>
+  </p:cSld>
+  <p:clrMapOvr>
+    <a:masterClrMapping/>
+  </p:clrMapOvr>
+  <mc:AlternateContent xmlns:mc="http://schemas.openxmlformats.org/markup-compatibility/2006">
+    <mc:Choice xmlns:p14="http://schemas.microsoft.com/office/powerpoint/2010/main" Requires="p14">
+      <p:transition spd="slow" p14:dur="1500">
+        <p:split orient="vert"/>
+      </p:transition>
+    </mc:Choice>
+    <mc:Fallback>
+      <p:transition spd="slow">
+        <p:split orient="vert"/>
+      </p:transition>
+    </mc:Fallback>
+  </mc:AlternateContent>
+  <p:timing>
+    <p:tnLst>
+      <p:par>
+        <p:cTn id="1" dur="indefinite" restart="never" nodeType="tmRoot">
+          <p:childTnLst>
+            <p:seq concurrent="1" nextAc="seek">
+              <p:cTn id="2" dur="indefinite" nodeType="mainSeq">
+                <p:childTnLst>
+                  <p:par>
+                    <p:cTn id="3" fill="hold">
+                      <p:stCondLst>
+                        <p:cond delay="indefinite"/>
+                      </p:stCondLst>
+                      <p:childTnLst>
+                        <p:par>
+                          <p:cTn id="4" fill="hold">
+                            <p:stCondLst>
+                              <p:cond delay="0"/>
+                            </p:stCondLst>
+                            <p:childTnLst>
+                              <p:par>
+                                <p:cTn id="5" presetID="10" presetClass="entr" presetSubtype="0" fill="hold" grpId="0" nodeType="clickEffect">
+                                  <p:stCondLst>
+                                    <p:cond delay="0"/>
+                                  </p:stCondLst>
+                                  <p:childTnLst>
+                                    <p:set>
+                                      <p:cBhvr>
+                                        <p:cTn id="6" dur="1" fill="hold">
+                                          <p:stCondLst>
+                                            <p:cond delay="0"/>
+                                          </p:stCondLst>
+                                        </p:cTn>
+                                        <p:tgtEl>
+                                          <p:spTgt spid="6"/>
+                                        </p:tgtEl>
+                                        <p:attrNameLst>
+                                          <p:attrName>style.visibility</p:attrName>
+                                        </p:attrNameLst>
+                                      </p:cBhvr>
+                                      <p:to>
+                                        <p:strVal val="visible"/>
+                                      </p:to>
+                                    </p:set>
+                                    <p:animEffect transition="in" filter="fade">
+                                      <p:cBhvr>
+                                        <p:cTn id="7" dur="500"/>
+                                        <p:tgtEl>
+                                          <p:spTgt spid="6"/>
+                                        </p:tgtEl>
+                                      </p:cBhvr>
+                                    </p:animEffect>
+                                  </p:childTnLst>
+                                </p:cTn>
+                              </p:par>
+                            </p:childTnLst>
+                          </p:cTn>
+                        </p:par>
+                      </p:childTnLst>
+                    </p:cTn>
+                  </p:par>
+                  <p:par>
+                    <p:cTn id="8" fill="hold">
+                      <p:stCondLst>
+                        <p:cond delay="indefinite"/>
+                      </p:stCondLst>
+                      <p:childTnLst>
+                        <p:par>
+                          <p:cTn id="9" fill="hold">
+                            <p:stCondLst>
+                              <p:cond delay="0"/>
+                            </p:stCondLst>
+                            <p:childTnLst>
+                              <p:par>
+                                <p:cTn id="10" presetID="10" presetClass="entr" presetSubtype="0" fill="hold" grpId="0" nodeType="clickEffect">
+                                  <p:stCondLst>
+                                    <p:cond delay="0"/>
+                                  </p:stCondLst>
+                                  <p:childTnLst>
+                                    <p:set>
+                                      <p:cBhvr>
+                                        <p:cTn id="11" dur="1" fill="hold">
+                                          <p:stCondLst>
+                                            <p:cond delay="0"/>
+                                          </p:stCondLst>
+                                        </p:cTn>
+                                        <p:tgtEl>
+                                          <p:spTgt spid="8"/>
+                                        </p:tgtEl>
+                                        <p:attrNameLst>
+                                          <p:attrName>style.visibility</p:attrName>
+                                        </p:attrNameLst>
+                                      </p:cBhvr>
+                                      <p:to>
+                                        <p:strVal val="visible"/>
+                                      </p:to>
+                                    </p:set>
+                                    <p:animEffect transition="in" filter="fade">
+                                      <p:cBhvr>
+                                        <p:cTn id="12" dur="500"/>
+                                        <p:tgtEl>
+                                          <p:spTgt spid="8"/>
+                                        </p:tgtEl>
+                                      </p:cBhvr>
+                                    </p:animEffect>
+                                  </p:childTnLst>
+                                </p:cTn>
+                              </p:par>
+                            </p:childTnLst>
+                          </p:cTn>
+                        </p:par>
+                      </p:childTnLst>
+                    </p:cTn>
+                  </p:par>
+                  <p:par>
+                    <p:cTn id="13" fill="hold">
+                      <p:stCondLst>
+                        <p:cond delay="indefinite"/>
+                      </p:stCondLst>
+                      <p:childTnLst>
+                        <p:par>
+                          <p:cTn id="14" fill="hold">
+                            <p:stCondLst>
+                              <p:cond delay="0"/>
+                            </p:stCondLst>
+                            <p:childTnLst>
+                              <p:par>
+                                <p:cTn id="15" presetID="42" presetClass="entr" presetSubtype="0" fill="hold" grpId="0" nodeType="clickEffect">
+                                  <p:stCondLst>
+                                    <p:cond delay="0"/>
+                                  </p:stCondLst>
+                                  <p:childTnLst>
+                                    <p:set>
+                                      <p:cBhvr>
+                                        <p:cTn id="16" dur="1" fill="hold">
+                                          <p:stCondLst>
+                                            <p:cond delay="0"/>
+                                          </p:stCondLst>
+                                        </p:cTn>
+                                        <p:tgtEl>
+                                          <p:spTgt spid="10"/>
+                                        </p:tgtEl>
+                                        <p:attrNameLst>
+                                          <p:attrName>style.visibility</p:attrName>
+                                        </p:attrNameLst>
+                                      </p:cBhvr>
+                                      <p:to>
+                                        <p:strVal val="visible"/>
+                                      </p:to>
+                                    </p:set>
+                                    <p:animEffect transition="in" filter="fade">
+                                      <p:cBhvr>
+                                        <p:cTn id="17" dur="1000"/>
+                                        <p:tgtEl>
+                                          <p:spTgt spid="10"/>
+                                        </p:tgtEl>
+                                      </p:cBhvr>
+                                    </p:animEffect>
+                                    <p:anim calcmode="lin" valueType="num">
+                                      <p:cBhvr>
+                                        <p:cTn id="18" dur="1000" fill="hold"/>
+                                        <p:tgtEl>
+                                          <p:spTgt spid="10"/>
+                                        </p:tgtEl>
+                                        <p:attrNameLst>
+                                          <p:attrName>ppt_x</p:attrName>
+                                        </p:attrNameLst>
+                                      </p:cBhvr>
+                                      <p:tavLst>
+                                        <p:tav tm="0">
+                                          <p:val>
+                                            <p:strVal val="#ppt_x"/>
+                                          </p:val>
+                                        </p:tav>
+                                        <p:tav tm="100000">
+                                          <p:val>
+                                            <p:strVal val="#ppt_x"/>
+                                          </p:val>
+                                        </p:tav>
+                                      </p:tavLst>
+                                    </p:anim>
+                                    <p:anim calcmode="lin" valueType="num">
+                                      <p:cBhvr>
+                                        <p:cTn id="19" dur="1000" fill="hold"/>
+                                        <p:tgtEl>
+                                          <p:spTgt spid="10"/>
+                                        </p:tgtEl>
+                                        <p:attrNameLst>
+                                          <p:attrName>ppt_y</p:attrName>
+                                        </p:attrNameLst>
+                                      </p:cBhvr>
+                                      <p:tavLst>
+                                        <p:tav tm="0">
+                                          <p:val>
+                                            <p:strVal val="#ppt_y+.1"/>
+                                          </p:val>
+                                        </p:tav>
+                                        <p:tav tm="100000">
+                                          <p:val>
+                                            <p:strVal val="#ppt_y"/>
+                                          </p:val>
+                                        </p:tav>
+                                      </p:tavLst>
+                                    </p:anim>
+                                  </p:childTnLst>
+                                </p:cTn>
+                              </p:par>
+                              <p:par>
+                                <p:cTn id="20" presetID="42" presetClass="entr" presetSubtype="0" fill="hold" grpId="0" nodeType="withEffect">
+                                  <p:stCondLst>
+                                    <p:cond delay="0"/>
+                                  </p:stCondLst>
+                                  <p:childTnLst>
+                                    <p:set>
+                                      <p:cBhvr>
+                                        <p:cTn id="21" dur="1" fill="hold">
+                                          <p:stCondLst>
+                                            <p:cond delay="0"/>
+                                          </p:stCondLst>
+                                        </p:cTn>
+                                        <p:tgtEl>
+                                          <p:spTgt spid="7"/>
+                                        </p:tgtEl>
+                                        <p:attrNameLst>
+                                          <p:attrName>style.visibility</p:attrName>
+                                        </p:attrNameLst>
+                                      </p:cBhvr>
+                                      <p:to>
+                                        <p:strVal val="visible"/>
+                                      </p:to>
+                                    </p:set>
+                                    <p:animEffect transition="in" filter="fade">
+                                      <p:cBhvr>
+                                        <p:cTn id="22" dur="1000"/>
+                                        <p:tgtEl>
+                                          <p:spTgt spid="7"/>
+                                        </p:tgtEl>
+                                      </p:cBhvr>
+                                    </p:animEffect>
+                                    <p:anim calcmode="lin" valueType="num">
+                                      <p:cBhvr>
+                                        <p:cTn id="23" dur="1000" fill="hold"/>
+                                        <p:tgtEl>
+                                          <p:spTgt spid="7"/>
+                                        </p:tgtEl>
+                                        <p:attrNameLst>
+                                          <p:attrName>ppt_x</p:attrName>
+                                        </p:attrNameLst>
+                                      </p:cBhvr>
+                                      <p:tavLst>
+                                        <p:tav tm="0">
+                                          <p:val>
+                                            <p:strVal val="#ppt_x"/>
+                                          </p:val>
+                                        </p:tav>
+                                        <p:tav tm="100000">
+                                          <p:val>
+                                            <p:strVal val="#ppt_x"/>
+                                          </p:val>
+                                        </p:tav>
+                                      </p:tavLst>
+                                    </p:anim>
+                                    <p:anim calcmode="lin" valueType="num">
+                                      <p:cBhvr>
+                                        <p:cTn id="24" dur="1000" fill="hold"/>
+                                        <p:tgtEl>
+                                          <p:spTgt spid="7"/>
+                                        </p:tgtEl>
+                                        <p:attrNameLst>
+                                          <p:attrName>ppt_y</p:attrName>
+                                        </p:attrNameLst>
+                                      </p:cBhvr>
+                                      <p:tavLst>
+                                        <p:tav tm="0">
+                                          <p:val>
+                                            <p:strVal val="#ppt_y+.1"/>
+                                          </p:val>
+                                        </p:tav>
+                                        <p:tav tm="100000">
+                                          <p:val>
+                                            <p:strVal val="#ppt_y"/>
+                                          </p:val>
+                                        </p:tav>
+                                      </p:tavLst>
+                                    </p:anim>
+                                  </p:childTnLst>
+                                </p:cTn>
+                              </p:par>
+                            </p:childTnLst>
+                          </p:cTn>
+                        </p:par>
+                        <p:par>
+                          <p:cTn id="25" fill="hold">
+                            <p:stCondLst>
+                              <p:cond delay="1000"/>
+                            </p:stCondLst>
+                            <p:childTnLst>
+                              <p:par>
+                                <p:cTn id="26" presetID="22" presetClass="entr" presetSubtype="8" fill="hold" grpId="0" nodeType="afterEffect">
+                                  <p:stCondLst>
+                                    <p:cond delay="0"/>
+                                  </p:stCondLst>
+                                  <p:childTnLst>
+                                    <p:set>
+                                      <p:cBhvr>
+                                        <p:cTn id="27" dur="1" fill="hold">
+                                          <p:stCondLst>
+                                            <p:cond delay="0"/>
+                                          </p:stCondLst>
+                                        </p:cTn>
+                                        <p:tgtEl>
+                                          <p:spTgt spid="11"/>
+                                        </p:tgtEl>
+                                        <p:attrNameLst>
+                                          <p:attrName>style.visibility</p:attrName>
+                                        </p:attrNameLst>
+                                      </p:cBhvr>
+                                      <p:to>
+                                        <p:strVal val="visible"/>
+                                      </p:to>
+                                    </p:set>
+                                    <p:animEffect transition="in" filter="wipe(left)">
+                                      <p:cBhvr>
+                                        <p:cTn id="28" dur="500"/>
+                                        <p:tgtEl>
+                                          <p:spTgt spid="11"/>
+                                        </p:tgtEl>
+                                      </p:cBhvr>
+                                    </p:animEffect>
+                                  </p:childTnLst>
+                                </p:cTn>
+                              </p:par>
+                            </p:childTnLst>
+                          </p:cTn>
+                        </p:par>
+                        <p:par>
+                          <p:cTn id="29" fill="hold">
+                            <p:stCondLst>
+                              <p:cond delay="1500"/>
+                            </p:stCondLst>
+                            <p:childTnLst>
+                              <p:par>
+                                <p:cTn id="30" presetID="22" presetClass="entr" presetSubtype="8" fill="hold" grpId="0" nodeType="afterEffect">
+                                  <p:stCondLst>
+                                    <p:cond delay="0"/>
+                                  </p:stCondLst>
+                                  <p:childTnLst>
+                                    <p:set>
+                                      <p:cBhvr>
+                                        <p:cTn id="31" dur="1" fill="hold">
+                                          <p:stCondLst>
+                                            <p:cond delay="0"/>
+                                          </p:stCondLst>
+                                        </p:cTn>
+                                        <p:tgtEl>
+                                          <p:spTgt spid="13"/>
+                                        </p:tgtEl>
+                                        <p:attrNameLst>
+                                          <p:attrName>style.visibility</p:attrName>
+                                        </p:attrNameLst>
+                                      </p:cBhvr>
+                                      <p:to>
+                                        <p:strVal val="visible"/>
+                                      </p:to>
+                                    </p:set>
+                                    <p:animEffect transition="in" filter="wipe(left)">
+                                      <p:cBhvr>
+                                        <p:cTn id="32" dur="500"/>
+                                        <p:tgtEl>
+                                          <p:spTgt spid="13"/>
+                                        </p:tgtEl>
+                                      </p:cBhvr>
+                                    </p:animEffect>
+                                  </p:childTnLst>
+                                </p:cTn>
+                              </p:par>
+                            </p:childTnLst>
+                          </p:cTn>
+                        </p:par>
+                      </p:childTnLst>
+                    </p:cTn>
+                  </p:par>
+                  <p:par>
+                    <p:cTn id="33" fill="hold">
+                      <p:stCondLst>
+                        <p:cond delay="indefinite"/>
+                      </p:stCondLst>
+                      <p:childTnLst>
+                        <p:par>
+                          <p:cTn id="34" fill="hold">
+                            <p:stCondLst>
+                              <p:cond delay="0"/>
+                            </p:stCondLst>
+                            <p:childTnLst>
+                              <p:par>
+                                <p:cTn id="35" presetID="2" presetClass="entr" presetSubtype="4" fill="hold" grpId="0" nodeType="clickEffect">
+                                  <p:stCondLst>
+                                    <p:cond delay="0"/>
+                                  </p:stCondLst>
+                                  <p:childTnLst>
+                                    <p:set>
+                                      <p:cBhvr>
+                                        <p:cTn id="36" dur="1" fill="hold">
+                                          <p:stCondLst>
+                                            <p:cond delay="0"/>
+                                          </p:stCondLst>
+                                        </p:cTn>
+                                        <p:tgtEl>
+                                          <p:spTgt spid="16"/>
+                                        </p:tgtEl>
+                                        <p:attrNameLst>
+                                          <p:attrName>style.visibility</p:attrName>
+                                        </p:attrNameLst>
+                                      </p:cBhvr>
+                                      <p:to>
+                                        <p:strVal val="visible"/>
+                                      </p:to>
+                                    </p:set>
+                                    <p:anim calcmode="lin" valueType="num">
+                                      <p:cBhvr additive="base">
+                                        <p:cTn id="37" dur="500" fill="hold"/>
+                                        <p:tgtEl>
+                                          <p:spTgt spid="16"/>
+                                        </p:tgtEl>
+                                        <p:attrNameLst>
+                                          <p:attrName>ppt_x</p:attrName>
+                                        </p:attrNameLst>
+                                      </p:cBhvr>
+                                      <p:tavLst>
+                                        <p:tav tm="0">
+                                          <p:val>
+                                            <p:strVal val="#ppt_x"/>
+                                          </p:val>
+                                        </p:tav>
+                                        <p:tav tm="100000">
+                                          <p:val>
+                                            <p:strVal val="#ppt_x"/>
+                                          </p:val>
+                                        </p:tav>
+                                      </p:tavLst>
+                                    </p:anim>
+                                    <p:anim calcmode="lin" valueType="num">
+                                      <p:cBhvr additive="base">
+                                        <p:cTn id="38" dur="500" fill="hold"/>
+                                        <p:tgtEl>
+                                          <p:spTgt spid="16"/>
+                                        </p:tgtEl>
+                                        <p:attrNameLst>
+                                          <p:attrName>ppt_y</p:attrName>
+                                        </p:attrNameLst>
+                                      </p:cBhvr>
+                                      <p:tavLst>
+                                        <p:tav tm="0">
+                                          <p:val>
+                                            <p:strVal val="1+#ppt_h/2"/>
+                                          </p:val>
+                                        </p:tav>
+                                        <p:tav tm="100000">
+                                          <p:val>
+                                            <p:strVal val="#ppt_y"/>
+                                          </p:val>
+                                        </p:tav>
+                                      </p:tavLst>
+                                    </p:anim>
+                                  </p:childTnLst>
+                                </p:cTn>
+                              </p:par>
+                            </p:childTnLst>
+                          </p:cTn>
+                        </p:par>
+                        <p:par>
+                          <p:cTn id="39" fill="hold">
+                            <p:stCondLst>
+                              <p:cond delay="500"/>
+                            </p:stCondLst>
+                            <p:childTnLst>
+                              <p:par>
+                                <p:cTn id="40" presetID="22" presetClass="entr" presetSubtype="2" fill="hold" grpId="0" nodeType="afterEffect">
+                                  <p:stCondLst>
+                                    <p:cond delay="0"/>
+                                  </p:stCondLst>
+                                  <p:childTnLst>
+                                    <p:set>
+                                      <p:cBhvr>
+                                        <p:cTn id="41" dur="1" fill="hold">
+                                          <p:stCondLst>
+                                            <p:cond delay="0"/>
+                                          </p:stCondLst>
+                                        </p:cTn>
+                                        <p:tgtEl>
+                                          <p:spTgt spid="15"/>
+                                        </p:tgtEl>
+                                        <p:attrNameLst>
+                                          <p:attrName>style.visibility</p:attrName>
+                                        </p:attrNameLst>
+                                      </p:cBhvr>
+                                      <p:to>
+                                        <p:strVal val="visible"/>
+                                      </p:to>
+                                    </p:set>
+                                    <p:animEffect transition="in" filter="wipe(right)">
+                                      <p:cBhvr>
+                                        <p:cTn id="42" dur="500"/>
+                                        <p:tgtEl>
+                                          <p:spTgt spid="15"/>
+                                        </p:tgtEl>
+                                      </p:cBhvr>
+                                    </p:animEffect>
+                                  </p:childTnLst>
+                                </p:cTn>
+                              </p:par>
+                            </p:childTnLst>
+                          </p:cTn>
+                        </p:par>
+                        <p:par>
+                          <p:cTn id="43" fill="hold">
+                            <p:stCondLst>
+                              <p:cond delay="1000"/>
+                            </p:stCondLst>
+                            <p:childTnLst>
+                              <p:par>
+                                <p:cTn id="44" presetID="22" presetClass="entr" presetSubtype="2" fill="hold" grpId="0" nodeType="afterEffect">
+                                  <p:stCondLst>
+                                    <p:cond delay="0"/>
+                                  </p:stCondLst>
+                                  <p:childTnLst>
+                                    <p:set>
+                                      <p:cBhvr>
+                                        <p:cTn id="45" dur="1" fill="hold">
+                                          <p:stCondLst>
+                                            <p:cond delay="0"/>
+                                          </p:stCondLst>
+                                        </p:cTn>
+                                        <p:tgtEl>
+                                          <p:spTgt spid="4"/>
+                                        </p:tgtEl>
+                                        <p:attrNameLst>
+                                          <p:attrName>style.visibility</p:attrName>
+                                        </p:attrNameLst>
+                                      </p:cBhvr>
+                                      <p:to>
+                                        <p:strVal val="visible"/>
+                                      </p:to>
+                                    </p:set>
+                                    <p:animEffect transition="in" filter="wipe(right)">
+                                      <p:cBhvr>
+                                        <p:cTn id="46" dur="500"/>
+                                        <p:tgtEl>
+                                          <p:spTgt spid="4"/>
+                                        </p:tgtEl>
+                                      </p:cBhvr>
+                                    </p:animEffect>
+                                  </p:childTnLst>
+                                </p:cTn>
+                              </p:par>
+                            </p:childTnLst>
+                          </p:cTn>
+                        </p:par>
+                      </p:childTnLst>
+                    </p:cTn>
+                  </p:par>
+                </p:childTnLst>
+              </p:cTn>
+              <p:prevCondLst>
+                <p:cond evt="onPrev" delay="0">
+                  <p:tgtEl>
+                    <p:sldTgt/>
+                  </p:tgtEl>
+                </p:cond>
+              </p:prevCondLst>
+              <p:nextCondLst>
+                <p:cond evt="onNext" delay="0">
+                  <p:tgtEl>
+                    <p:sldTgt/>
+                  </p:tgtEl>
+                </p:cond>
+              </p:nextCondLst>
+            </p:seq>
+          </p:childTnLst>
+        </p:cTn>
+      </p:par>
+    </p:tnLst>
+    <p:bldLst>
+      <p:bldP spid="6" grpId="0" bldLvl="0" animBg="1"/>
+      <p:bldP spid="7" grpId="0" bldLvl="0" animBg="1"/>
+      <p:bldP spid="8" grpId="0" bldLvl="0" animBg="1"/>
+      <p:bldP spid="10" grpId="0" bldLvl="0" animBg="1"/>
+      <p:bldP spid="11" grpId="0"/>
+      <p:bldP spid="13" grpId="0"/>
+      <p:bldP spid="15" grpId="0"/>
+      <p:bldP spid="16" grpId="0" bldLvl="0" animBg="1"/>
+      <p:bldP spid="4" grpId="0"/>
+    </p:bldLst>
+  </p:timing>
 </p:sld>
 </file>
 
